--- a/ppt 16-9/0188.耶稣降生.pptx
+++ b/ppt 16-9/0188.耶稣降生.pptx
@@ -5,7 +5,7 @@
     <p:sldMasterId id="2147483648" r:id="rId1"/>
   </p:sldMasterIdLst>
   <p:sldIdLst>
-    <p:sldId id="2819" r:id="rId2"/>
+    <p:sldId id="2822" r:id="rId2"/>
   </p:sldIdLst>
   <p:sldSz cx="12192000" cy="6858000"/>
   <p:notesSz cx="6858000" cy="9144000"/>
@@ -129,7 +129,7 @@
           <p:cNvPr id="2" name="标题 1">
             <a:extLst>
               <a:ext uri="{FF2B5EF4-FFF2-40B4-BE49-F238E27FC236}">
-                <a16:creationId xmlns:a16="http://schemas.microsoft.com/office/drawing/2014/main" id="{A01C9F48-FB39-3EE7-A570-CB63A55F5F95}"/>
+                <a16:creationId xmlns:a16="http://schemas.microsoft.com/office/drawing/2014/main" id="{3CFA8489-42C2-F0C2-174A-FA9CC7459656}"/>
               </a:ext>
             </a:extLst>
           </p:cNvPr>
@@ -166,7 +166,7 @@
           <p:cNvPr id="3" name="副标题 2">
             <a:extLst>
               <a:ext uri="{FF2B5EF4-FFF2-40B4-BE49-F238E27FC236}">
-                <a16:creationId xmlns:a16="http://schemas.microsoft.com/office/drawing/2014/main" id="{C576032B-28EA-6322-6E97-16835E190EFC}"/>
+                <a16:creationId xmlns:a16="http://schemas.microsoft.com/office/drawing/2014/main" id="{D0E1786A-EF95-F742-BA69-27D1856A13F8}"/>
               </a:ext>
             </a:extLst>
           </p:cNvPr>
@@ -236,7 +236,7 @@
           <p:cNvPr id="4" name="日期占位符 3">
             <a:extLst>
               <a:ext uri="{FF2B5EF4-FFF2-40B4-BE49-F238E27FC236}">
-                <a16:creationId xmlns:a16="http://schemas.microsoft.com/office/drawing/2014/main" id="{64FE53BD-FDBE-BFDC-3E87-B72ED10D0BEB}"/>
+                <a16:creationId xmlns:a16="http://schemas.microsoft.com/office/drawing/2014/main" id="{70B29FFC-4FE6-05CE-3549-1EF537456820}"/>
               </a:ext>
             </a:extLst>
           </p:cNvPr>
@@ -252,7 +252,7 @@
           <a:bodyPr/>
           <a:lstStyle/>
           <a:p>
-            <a:fld id="{CB85BAD7-EF7A-472C-B8F9-F80F5BCD903B}" type="datetimeFigureOut">
+            <a:fld id="{F9A592BA-7067-4353-A91C-3ECB969CC90E}" type="datetimeFigureOut">
               <a:rPr lang="zh-CN" altLang="en-US" smtClean="0"/>
               <a:t>2024/3/10</a:t>
             </a:fld>
@@ -265,7 +265,7 @@
           <p:cNvPr id="5" name="页脚占位符 4">
             <a:extLst>
               <a:ext uri="{FF2B5EF4-FFF2-40B4-BE49-F238E27FC236}">
-                <a16:creationId xmlns:a16="http://schemas.microsoft.com/office/drawing/2014/main" id="{8B3533D6-B8DC-6643-5E95-46AF1940157A}"/>
+                <a16:creationId xmlns:a16="http://schemas.microsoft.com/office/drawing/2014/main" id="{8819442F-B52D-27DC-01A1-87621B1675B4}"/>
               </a:ext>
             </a:extLst>
           </p:cNvPr>
@@ -290,7 +290,7 @@
           <p:cNvPr id="6" name="灯片编号占位符 5">
             <a:extLst>
               <a:ext uri="{FF2B5EF4-FFF2-40B4-BE49-F238E27FC236}">
-                <a16:creationId xmlns:a16="http://schemas.microsoft.com/office/drawing/2014/main" id="{B4966E1F-0AB9-C08C-7ADB-7299A8AA4674}"/>
+                <a16:creationId xmlns:a16="http://schemas.microsoft.com/office/drawing/2014/main" id="{CB1A4269-61E6-18A5-A235-2E9DB83D184C}"/>
               </a:ext>
             </a:extLst>
           </p:cNvPr>
@@ -306,7 +306,7 @@
           <a:bodyPr/>
           <a:lstStyle/>
           <a:p>
-            <a:fld id="{8E0A904F-BA0C-46D1-BB6C-A8BEE4CF87DD}" type="slidenum">
+            <a:fld id="{580CD15E-5D0F-4C8E-9FFB-522CCC7E1160}" type="slidenum">
               <a:rPr lang="zh-CN" altLang="en-US" smtClean="0"/>
               <a:t>‹#›</a:t>
             </a:fld>
@@ -317,7 +317,7 @@
     </p:spTree>
     <p:extLst>
       <p:ext uri="{BB962C8B-B14F-4D97-AF65-F5344CB8AC3E}">
-        <p14:creationId xmlns:p14="http://schemas.microsoft.com/office/powerpoint/2010/main" val="3673859245"/>
+        <p14:creationId xmlns:p14="http://schemas.microsoft.com/office/powerpoint/2010/main" val="4252935658"/>
       </p:ext>
     </p:extLst>
   </p:cSld>
@@ -349,7 +349,7 @@
           <p:cNvPr id="2" name="标题 1">
             <a:extLst>
               <a:ext uri="{FF2B5EF4-FFF2-40B4-BE49-F238E27FC236}">
-                <a16:creationId xmlns:a16="http://schemas.microsoft.com/office/drawing/2014/main" id="{899BB9E9-5E3C-3090-A8C9-BCE841AF2AD2}"/>
+                <a16:creationId xmlns:a16="http://schemas.microsoft.com/office/drawing/2014/main" id="{58DF35AD-F70B-06AC-1E12-93836A2AE41B}"/>
               </a:ext>
             </a:extLst>
           </p:cNvPr>
@@ -377,7 +377,7 @@
           <p:cNvPr id="3" name="竖排文字占位符 2">
             <a:extLst>
               <a:ext uri="{FF2B5EF4-FFF2-40B4-BE49-F238E27FC236}">
-                <a16:creationId xmlns:a16="http://schemas.microsoft.com/office/drawing/2014/main" id="{3E9260FA-6DED-99DD-E8FF-6818F5219D0E}"/>
+                <a16:creationId xmlns:a16="http://schemas.microsoft.com/office/drawing/2014/main" id="{FBC2BDC5-FB9C-CE1A-416C-53745EB25265}"/>
               </a:ext>
             </a:extLst>
           </p:cNvPr>
@@ -434,7 +434,7 @@
           <p:cNvPr id="4" name="日期占位符 3">
             <a:extLst>
               <a:ext uri="{FF2B5EF4-FFF2-40B4-BE49-F238E27FC236}">
-                <a16:creationId xmlns:a16="http://schemas.microsoft.com/office/drawing/2014/main" id="{5EC902AF-B408-E3F1-A5FB-409DB26ECCA8}"/>
+                <a16:creationId xmlns:a16="http://schemas.microsoft.com/office/drawing/2014/main" id="{A24442E8-F322-A647-7DB0-184D83EDF3B1}"/>
               </a:ext>
             </a:extLst>
           </p:cNvPr>
@@ -450,7 +450,7 @@
           <a:bodyPr/>
           <a:lstStyle/>
           <a:p>
-            <a:fld id="{CB85BAD7-EF7A-472C-B8F9-F80F5BCD903B}" type="datetimeFigureOut">
+            <a:fld id="{F9A592BA-7067-4353-A91C-3ECB969CC90E}" type="datetimeFigureOut">
               <a:rPr lang="zh-CN" altLang="en-US" smtClean="0"/>
               <a:t>2024/3/10</a:t>
             </a:fld>
@@ -463,7 +463,7 @@
           <p:cNvPr id="5" name="页脚占位符 4">
             <a:extLst>
               <a:ext uri="{FF2B5EF4-FFF2-40B4-BE49-F238E27FC236}">
-                <a16:creationId xmlns:a16="http://schemas.microsoft.com/office/drawing/2014/main" id="{938B644D-4817-FE35-6A31-244A121E5A4F}"/>
+                <a16:creationId xmlns:a16="http://schemas.microsoft.com/office/drawing/2014/main" id="{222073C5-EE08-0580-CE4F-C76ABC6B21FE}"/>
               </a:ext>
             </a:extLst>
           </p:cNvPr>
@@ -488,7 +488,7 @@
           <p:cNvPr id="6" name="灯片编号占位符 5">
             <a:extLst>
               <a:ext uri="{FF2B5EF4-FFF2-40B4-BE49-F238E27FC236}">
-                <a16:creationId xmlns:a16="http://schemas.microsoft.com/office/drawing/2014/main" id="{FB195040-3A50-4801-0889-F5D97CEE5F94}"/>
+                <a16:creationId xmlns:a16="http://schemas.microsoft.com/office/drawing/2014/main" id="{33A629A9-8D94-74C0-5012-80A9BF8E64CF}"/>
               </a:ext>
             </a:extLst>
           </p:cNvPr>
@@ -504,7 +504,7 @@
           <a:bodyPr/>
           <a:lstStyle/>
           <a:p>
-            <a:fld id="{8E0A904F-BA0C-46D1-BB6C-A8BEE4CF87DD}" type="slidenum">
+            <a:fld id="{580CD15E-5D0F-4C8E-9FFB-522CCC7E1160}" type="slidenum">
               <a:rPr lang="zh-CN" altLang="en-US" smtClean="0"/>
               <a:t>‹#›</a:t>
             </a:fld>
@@ -515,7 +515,7 @@
     </p:spTree>
     <p:extLst>
       <p:ext uri="{BB962C8B-B14F-4D97-AF65-F5344CB8AC3E}">
-        <p14:creationId xmlns:p14="http://schemas.microsoft.com/office/powerpoint/2010/main" val="1681819358"/>
+        <p14:creationId xmlns:p14="http://schemas.microsoft.com/office/powerpoint/2010/main" val="303318034"/>
       </p:ext>
     </p:extLst>
   </p:cSld>
@@ -547,7 +547,7 @@
           <p:cNvPr id="2" name="竖排标题 1">
             <a:extLst>
               <a:ext uri="{FF2B5EF4-FFF2-40B4-BE49-F238E27FC236}">
-                <a16:creationId xmlns:a16="http://schemas.microsoft.com/office/drawing/2014/main" id="{E709AAB7-C90C-D21F-E4FA-AE1F66A5A0A5}"/>
+                <a16:creationId xmlns:a16="http://schemas.microsoft.com/office/drawing/2014/main" id="{54DAA487-1FCC-C68C-DC23-9082CA1ADFC1}"/>
               </a:ext>
             </a:extLst>
           </p:cNvPr>
@@ -580,7 +580,7 @@
           <p:cNvPr id="3" name="竖排文字占位符 2">
             <a:extLst>
               <a:ext uri="{FF2B5EF4-FFF2-40B4-BE49-F238E27FC236}">
-                <a16:creationId xmlns:a16="http://schemas.microsoft.com/office/drawing/2014/main" id="{76C47154-8F31-A15D-95C5-2FC9F4155330}"/>
+                <a16:creationId xmlns:a16="http://schemas.microsoft.com/office/drawing/2014/main" id="{FC978876-F9FD-9F39-6DF6-6732D79191D1}"/>
               </a:ext>
             </a:extLst>
           </p:cNvPr>
@@ -642,7 +642,7 @@
           <p:cNvPr id="4" name="日期占位符 3">
             <a:extLst>
               <a:ext uri="{FF2B5EF4-FFF2-40B4-BE49-F238E27FC236}">
-                <a16:creationId xmlns:a16="http://schemas.microsoft.com/office/drawing/2014/main" id="{080BA579-76DA-E625-1AFA-1D2E75DC7D57}"/>
+                <a16:creationId xmlns:a16="http://schemas.microsoft.com/office/drawing/2014/main" id="{3DE8FECE-93E7-62F7-DA96-2F986FF244FD}"/>
               </a:ext>
             </a:extLst>
           </p:cNvPr>
@@ -658,7 +658,7 @@
           <a:bodyPr/>
           <a:lstStyle/>
           <a:p>
-            <a:fld id="{CB85BAD7-EF7A-472C-B8F9-F80F5BCD903B}" type="datetimeFigureOut">
+            <a:fld id="{F9A592BA-7067-4353-A91C-3ECB969CC90E}" type="datetimeFigureOut">
               <a:rPr lang="zh-CN" altLang="en-US" smtClean="0"/>
               <a:t>2024/3/10</a:t>
             </a:fld>
@@ -671,7 +671,7 @@
           <p:cNvPr id="5" name="页脚占位符 4">
             <a:extLst>
               <a:ext uri="{FF2B5EF4-FFF2-40B4-BE49-F238E27FC236}">
-                <a16:creationId xmlns:a16="http://schemas.microsoft.com/office/drawing/2014/main" id="{EAFA10D5-7575-E17D-0305-112967A2AC30}"/>
+                <a16:creationId xmlns:a16="http://schemas.microsoft.com/office/drawing/2014/main" id="{D202B8E6-EBAE-59C7-972A-E503991E1D3D}"/>
               </a:ext>
             </a:extLst>
           </p:cNvPr>
@@ -696,7 +696,7 @@
           <p:cNvPr id="6" name="灯片编号占位符 5">
             <a:extLst>
               <a:ext uri="{FF2B5EF4-FFF2-40B4-BE49-F238E27FC236}">
-                <a16:creationId xmlns:a16="http://schemas.microsoft.com/office/drawing/2014/main" id="{05AE47AF-CC07-6820-8A5A-07C0E1756E39}"/>
+                <a16:creationId xmlns:a16="http://schemas.microsoft.com/office/drawing/2014/main" id="{CD20CFAE-6EB5-5825-2021-34B041E5A1A6}"/>
               </a:ext>
             </a:extLst>
           </p:cNvPr>
@@ -712,7 +712,7 @@
           <a:bodyPr/>
           <a:lstStyle/>
           <a:p>
-            <a:fld id="{8E0A904F-BA0C-46D1-BB6C-A8BEE4CF87DD}" type="slidenum">
+            <a:fld id="{580CD15E-5D0F-4C8E-9FFB-522CCC7E1160}" type="slidenum">
               <a:rPr lang="zh-CN" altLang="en-US" smtClean="0"/>
               <a:t>‹#›</a:t>
             </a:fld>
@@ -723,7 +723,7 @@
     </p:spTree>
     <p:extLst>
       <p:ext uri="{BB962C8B-B14F-4D97-AF65-F5344CB8AC3E}">
-        <p14:creationId xmlns:p14="http://schemas.microsoft.com/office/powerpoint/2010/main" val="2983768391"/>
+        <p14:creationId xmlns:p14="http://schemas.microsoft.com/office/powerpoint/2010/main" val="1411282480"/>
       </p:ext>
     </p:extLst>
   </p:cSld>
@@ -755,7 +755,7 @@
           <p:cNvPr id="2" name="标题 1">
             <a:extLst>
               <a:ext uri="{FF2B5EF4-FFF2-40B4-BE49-F238E27FC236}">
-                <a16:creationId xmlns:a16="http://schemas.microsoft.com/office/drawing/2014/main" id="{E28F5AD4-4F5E-4B2B-437F-146C1051E0E4}"/>
+                <a16:creationId xmlns:a16="http://schemas.microsoft.com/office/drawing/2014/main" id="{CD40AA4F-CA97-2619-8DE6-98748E80393C}"/>
               </a:ext>
             </a:extLst>
           </p:cNvPr>
@@ -783,7 +783,7 @@
           <p:cNvPr id="3" name="内容占位符 2">
             <a:extLst>
               <a:ext uri="{FF2B5EF4-FFF2-40B4-BE49-F238E27FC236}">
-                <a16:creationId xmlns:a16="http://schemas.microsoft.com/office/drawing/2014/main" id="{DF1F7397-5965-C634-F6BC-4F4DCB2D0E71}"/>
+                <a16:creationId xmlns:a16="http://schemas.microsoft.com/office/drawing/2014/main" id="{DC6A913A-3808-AC2B-CAF2-CBDB3D25A925}"/>
               </a:ext>
             </a:extLst>
           </p:cNvPr>
@@ -840,7 +840,7 @@
           <p:cNvPr id="4" name="日期占位符 3">
             <a:extLst>
               <a:ext uri="{FF2B5EF4-FFF2-40B4-BE49-F238E27FC236}">
-                <a16:creationId xmlns:a16="http://schemas.microsoft.com/office/drawing/2014/main" id="{6094C199-672B-979E-01CA-FC4E81BEFAB9}"/>
+                <a16:creationId xmlns:a16="http://schemas.microsoft.com/office/drawing/2014/main" id="{203E853C-2F5E-3506-99AD-F4F6022D756D}"/>
               </a:ext>
             </a:extLst>
           </p:cNvPr>
@@ -856,7 +856,7 @@
           <a:bodyPr/>
           <a:lstStyle/>
           <a:p>
-            <a:fld id="{CB85BAD7-EF7A-472C-B8F9-F80F5BCD903B}" type="datetimeFigureOut">
+            <a:fld id="{F9A592BA-7067-4353-A91C-3ECB969CC90E}" type="datetimeFigureOut">
               <a:rPr lang="zh-CN" altLang="en-US" smtClean="0"/>
               <a:t>2024/3/10</a:t>
             </a:fld>
@@ -869,7 +869,7 @@
           <p:cNvPr id="5" name="页脚占位符 4">
             <a:extLst>
               <a:ext uri="{FF2B5EF4-FFF2-40B4-BE49-F238E27FC236}">
-                <a16:creationId xmlns:a16="http://schemas.microsoft.com/office/drawing/2014/main" id="{8006942F-C8BA-D1E0-E7F8-8F552C2E96B1}"/>
+                <a16:creationId xmlns:a16="http://schemas.microsoft.com/office/drawing/2014/main" id="{E0DD2C53-2CCD-06BF-2C75-E1BD9032E576}"/>
               </a:ext>
             </a:extLst>
           </p:cNvPr>
@@ -894,7 +894,7 @@
           <p:cNvPr id="6" name="灯片编号占位符 5">
             <a:extLst>
               <a:ext uri="{FF2B5EF4-FFF2-40B4-BE49-F238E27FC236}">
-                <a16:creationId xmlns:a16="http://schemas.microsoft.com/office/drawing/2014/main" id="{2E0ACE44-7085-0371-DBBC-E7800711F4C9}"/>
+                <a16:creationId xmlns:a16="http://schemas.microsoft.com/office/drawing/2014/main" id="{F8581709-AD24-BA31-A8C4-2DA7F8BA1B3F}"/>
               </a:ext>
             </a:extLst>
           </p:cNvPr>
@@ -910,7 +910,7 @@
           <a:bodyPr/>
           <a:lstStyle/>
           <a:p>
-            <a:fld id="{8E0A904F-BA0C-46D1-BB6C-A8BEE4CF87DD}" type="slidenum">
+            <a:fld id="{580CD15E-5D0F-4C8E-9FFB-522CCC7E1160}" type="slidenum">
               <a:rPr lang="zh-CN" altLang="en-US" smtClean="0"/>
               <a:t>‹#›</a:t>
             </a:fld>
@@ -921,7 +921,7 @@
     </p:spTree>
     <p:extLst>
       <p:ext uri="{BB962C8B-B14F-4D97-AF65-F5344CB8AC3E}">
-        <p14:creationId xmlns:p14="http://schemas.microsoft.com/office/powerpoint/2010/main" val="2340759174"/>
+        <p14:creationId xmlns:p14="http://schemas.microsoft.com/office/powerpoint/2010/main" val="2021155804"/>
       </p:ext>
     </p:extLst>
   </p:cSld>
@@ -953,7 +953,7 @@
           <p:cNvPr id="2" name="标题 1">
             <a:extLst>
               <a:ext uri="{FF2B5EF4-FFF2-40B4-BE49-F238E27FC236}">
-                <a16:creationId xmlns:a16="http://schemas.microsoft.com/office/drawing/2014/main" id="{C58C9CA3-E225-A313-8EAE-F2434B67CD3F}"/>
+                <a16:creationId xmlns:a16="http://schemas.microsoft.com/office/drawing/2014/main" id="{13A613BD-4C79-AB87-F053-557107EAA843}"/>
               </a:ext>
             </a:extLst>
           </p:cNvPr>
@@ -990,7 +990,7 @@
           <p:cNvPr id="3" name="文本占位符 2">
             <a:extLst>
               <a:ext uri="{FF2B5EF4-FFF2-40B4-BE49-F238E27FC236}">
-                <a16:creationId xmlns:a16="http://schemas.microsoft.com/office/drawing/2014/main" id="{06655687-7E3B-DEC2-DB97-CB833930EDA1}"/>
+                <a16:creationId xmlns:a16="http://schemas.microsoft.com/office/drawing/2014/main" id="{E5819856-4D00-8C7C-3186-9F4D2538E491}"/>
               </a:ext>
             </a:extLst>
           </p:cNvPr>
@@ -1115,7 +1115,7 @@
           <p:cNvPr id="4" name="日期占位符 3">
             <a:extLst>
               <a:ext uri="{FF2B5EF4-FFF2-40B4-BE49-F238E27FC236}">
-                <a16:creationId xmlns:a16="http://schemas.microsoft.com/office/drawing/2014/main" id="{FB7A552F-BFAD-E57E-C326-E8F1D4EE1036}"/>
+                <a16:creationId xmlns:a16="http://schemas.microsoft.com/office/drawing/2014/main" id="{C778F50B-AE2F-B25E-BAEB-ECB737EE8B04}"/>
               </a:ext>
             </a:extLst>
           </p:cNvPr>
@@ -1131,7 +1131,7 @@
           <a:bodyPr/>
           <a:lstStyle/>
           <a:p>
-            <a:fld id="{CB85BAD7-EF7A-472C-B8F9-F80F5BCD903B}" type="datetimeFigureOut">
+            <a:fld id="{F9A592BA-7067-4353-A91C-3ECB969CC90E}" type="datetimeFigureOut">
               <a:rPr lang="zh-CN" altLang="en-US" smtClean="0"/>
               <a:t>2024/3/10</a:t>
             </a:fld>
@@ -1144,7 +1144,7 @@
           <p:cNvPr id="5" name="页脚占位符 4">
             <a:extLst>
               <a:ext uri="{FF2B5EF4-FFF2-40B4-BE49-F238E27FC236}">
-                <a16:creationId xmlns:a16="http://schemas.microsoft.com/office/drawing/2014/main" id="{0553A266-4B4F-6AAD-FA9D-7BE08ACF8EF0}"/>
+                <a16:creationId xmlns:a16="http://schemas.microsoft.com/office/drawing/2014/main" id="{F6A6966D-3B3A-C330-35E0-DA7CABA95BCB}"/>
               </a:ext>
             </a:extLst>
           </p:cNvPr>
@@ -1169,7 +1169,7 @@
           <p:cNvPr id="6" name="灯片编号占位符 5">
             <a:extLst>
               <a:ext uri="{FF2B5EF4-FFF2-40B4-BE49-F238E27FC236}">
-                <a16:creationId xmlns:a16="http://schemas.microsoft.com/office/drawing/2014/main" id="{59A157A3-1C83-9264-9B57-D43FA29B0263}"/>
+                <a16:creationId xmlns:a16="http://schemas.microsoft.com/office/drawing/2014/main" id="{DD7B8C61-8A62-D478-3B6E-28C9831A4A71}"/>
               </a:ext>
             </a:extLst>
           </p:cNvPr>
@@ -1185,7 +1185,7 @@
           <a:bodyPr/>
           <a:lstStyle/>
           <a:p>
-            <a:fld id="{8E0A904F-BA0C-46D1-BB6C-A8BEE4CF87DD}" type="slidenum">
+            <a:fld id="{580CD15E-5D0F-4C8E-9FFB-522CCC7E1160}" type="slidenum">
               <a:rPr lang="zh-CN" altLang="en-US" smtClean="0"/>
               <a:t>‹#›</a:t>
             </a:fld>
@@ -1196,7 +1196,7 @@
     </p:spTree>
     <p:extLst>
       <p:ext uri="{BB962C8B-B14F-4D97-AF65-F5344CB8AC3E}">
-        <p14:creationId xmlns:p14="http://schemas.microsoft.com/office/powerpoint/2010/main" val="1741075676"/>
+        <p14:creationId xmlns:p14="http://schemas.microsoft.com/office/powerpoint/2010/main" val="1775094020"/>
       </p:ext>
     </p:extLst>
   </p:cSld>
@@ -1228,7 +1228,7 @@
           <p:cNvPr id="2" name="标题 1">
             <a:extLst>
               <a:ext uri="{FF2B5EF4-FFF2-40B4-BE49-F238E27FC236}">
-                <a16:creationId xmlns:a16="http://schemas.microsoft.com/office/drawing/2014/main" id="{A6ADD279-5944-4882-ACCB-AB1F63132574}"/>
+                <a16:creationId xmlns:a16="http://schemas.microsoft.com/office/drawing/2014/main" id="{44D803B8-C580-34CE-97E6-37116C15BB43}"/>
               </a:ext>
             </a:extLst>
           </p:cNvPr>
@@ -1256,7 +1256,7 @@
           <p:cNvPr id="3" name="内容占位符 2">
             <a:extLst>
               <a:ext uri="{FF2B5EF4-FFF2-40B4-BE49-F238E27FC236}">
-                <a16:creationId xmlns:a16="http://schemas.microsoft.com/office/drawing/2014/main" id="{8DCE85D3-7D03-6D45-4205-1FB07F7EEA66}"/>
+                <a16:creationId xmlns:a16="http://schemas.microsoft.com/office/drawing/2014/main" id="{349A3501-11A2-86EF-32B2-1AB7393CC5CA}"/>
               </a:ext>
             </a:extLst>
           </p:cNvPr>
@@ -1318,7 +1318,7 @@
           <p:cNvPr id="4" name="内容占位符 3">
             <a:extLst>
               <a:ext uri="{FF2B5EF4-FFF2-40B4-BE49-F238E27FC236}">
-                <a16:creationId xmlns:a16="http://schemas.microsoft.com/office/drawing/2014/main" id="{FC449909-93A7-B620-89D5-6E01C9F21D06}"/>
+                <a16:creationId xmlns:a16="http://schemas.microsoft.com/office/drawing/2014/main" id="{497CC63D-E10E-5F76-F99A-2D424A38FB08}"/>
               </a:ext>
             </a:extLst>
           </p:cNvPr>
@@ -1380,7 +1380,7 @@
           <p:cNvPr id="5" name="日期占位符 4">
             <a:extLst>
               <a:ext uri="{FF2B5EF4-FFF2-40B4-BE49-F238E27FC236}">
-                <a16:creationId xmlns:a16="http://schemas.microsoft.com/office/drawing/2014/main" id="{A20AC1E0-982F-230B-1285-A08063EE4142}"/>
+                <a16:creationId xmlns:a16="http://schemas.microsoft.com/office/drawing/2014/main" id="{2F8B6656-FBDB-F139-371E-9AC904826854}"/>
               </a:ext>
             </a:extLst>
           </p:cNvPr>
@@ -1396,7 +1396,7 @@
           <a:bodyPr/>
           <a:lstStyle/>
           <a:p>
-            <a:fld id="{CB85BAD7-EF7A-472C-B8F9-F80F5BCD903B}" type="datetimeFigureOut">
+            <a:fld id="{F9A592BA-7067-4353-A91C-3ECB969CC90E}" type="datetimeFigureOut">
               <a:rPr lang="zh-CN" altLang="en-US" smtClean="0"/>
               <a:t>2024/3/10</a:t>
             </a:fld>
@@ -1409,7 +1409,7 @@
           <p:cNvPr id="6" name="页脚占位符 5">
             <a:extLst>
               <a:ext uri="{FF2B5EF4-FFF2-40B4-BE49-F238E27FC236}">
-                <a16:creationId xmlns:a16="http://schemas.microsoft.com/office/drawing/2014/main" id="{E583A708-C4A2-6623-A8E8-DEEB9FB13F68}"/>
+                <a16:creationId xmlns:a16="http://schemas.microsoft.com/office/drawing/2014/main" id="{F90B1CA0-20C9-00BF-B9A0-265CD8E9FE63}"/>
               </a:ext>
             </a:extLst>
           </p:cNvPr>
@@ -1434,7 +1434,7 @@
           <p:cNvPr id="7" name="灯片编号占位符 6">
             <a:extLst>
               <a:ext uri="{FF2B5EF4-FFF2-40B4-BE49-F238E27FC236}">
-                <a16:creationId xmlns:a16="http://schemas.microsoft.com/office/drawing/2014/main" id="{4DFA20ED-CB3D-CA0E-A3F3-A003974BA4DA}"/>
+                <a16:creationId xmlns:a16="http://schemas.microsoft.com/office/drawing/2014/main" id="{6273FE90-B7F6-4E22-83F0-F492D07E4734}"/>
               </a:ext>
             </a:extLst>
           </p:cNvPr>
@@ -1450,7 +1450,7 @@
           <a:bodyPr/>
           <a:lstStyle/>
           <a:p>
-            <a:fld id="{8E0A904F-BA0C-46D1-BB6C-A8BEE4CF87DD}" type="slidenum">
+            <a:fld id="{580CD15E-5D0F-4C8E-9FFB-522CCC7E1160}" type="slidenum">
               <a:rPr lang="zh-CN" altLang="en-US" smtClean="0"/>
               <a:t>‹#›</a:t>
             </a:fld>
@@ -1461,7 +1461,7 @@
     </p:spTree>
     <p:extLst>
       <p:ext uri="{BB962C8B-B14F-4D97-AF65-F5344CB8AC3E}">
-        <p14:creationId xmlns:p14="http://schemas.microsoft.com/office/powerpoint/2010/main" val="4194578301"/>
+        <p14:creationId xmlns:p14="http://schemas.microsoft.com/office/powerpoint/2010/main" val="2630008484"/>
       </p:ext>
     </p:extLst>
   </p:cSld>
@@ -1493,7 +1493,7 @@
           <p:cNvPr id="2" name="标题 1">
             <a:extLst>
               <a:ext uri="{FF2B5EF4-FFF2-40B4-BE49-F238E27FC236}">
-                <a16:creationId xmlns:a16="http://schemas.microsoft.com/office/drawing/2014/main" id="{7F57AF38-7C98-A552-AF03-DB6425B218EA}"/>
+                <a16:creationId xmlns:a16="http://schemas.microsoft.com/office/drawing/2014/main" id="{54729618-E8C0-5927-32E2-67235AE74D6C}"/>
               </a:ext>
             </a:extLst>
           </p:cNvPr>
@@ -1526,7 +1526,7 @@
           <p:cNvPr id="3" name="文本占位符 2">
             <a:extLst>
               <a:ext uri="{FF2B5EF4-FFF2-40B4-BE49-F238E27FC236}">
-                <a16:creationId xmlns:a16="http://schemas.microsoft.com/office/drawing/2014/main" id="{B538C88B-395A-2A7C-239E-FB50F60FD43F}"/>
+                <a16:creationId xmlns:a16="http://schemas.microsoft.com/office/drawing/2014/main" id="{8B238E5C-2B6C-4A08-830C-20078664A3FD}"/>
               </a:ext>
             </a:extLst>
           </p:cNvPr>
@@ -1597,7 +1597,7 @@
           <p:cNvPr id="4" name="内容占位符 3">
             <a:extLst>
               <a:ext uri="{FF2B5EF4-FFF2-40B4-BE49-F238E27FC236}">
-                <a16:creationId xmlns:a16="http://schemas.microsoft.com/office/drawing/2014/main" id="{EFDA4778-8B59-F9DE-897F-B91E4A63108F}"/>
+                <a16:creationId xmlns:a16="http://schemas.microsoft.com/office/drawing/2014/main" id="{54643D6E-D7A6-E591-8F55-D1A87B6E4C4A}"/>
               </a:ext>
             </a:extLst>
           </p:cNvPr>
@@ -1659,7 +1659,7 @@
           <p:cNvPr id="5" name="文本占位符 4">
             <a:extLst>
               <a:ext uri="{FF2B5EF4-FFF2-40B4-BE49-F238E27FC236}">
-                <a16:creationId xmlns:a16="http://schemas.microsoft.com/office/drawing/2014/main" id="{5D4AF59F-1F56-3582-7DCC-689EB70556F5}"/>
+                <a16:creationId xmlns:a16="http://schemas.microsoft.com/office/drawing/2014/main" id="{0019173B-83C9-45B0-EF6F-B18143D67274}"/>
               </a:ext>
             </a:extLst>
           </p:cNvPr>
@@ -1730,7 +1730,7 @@
           <p:cNvPr id="6" name="内容占位符 5">
             <a:extLst>
               <a:ext uri="{FF2B5EF4-FFF2-40B4-BE49-F238E27FC236}">
-                <a16:creationId xmlns:a16="http://schemas.microsoft.com/office/drawing/2014/main" id="{FC212F36-ADD4-8358-D07B-4A72B1CB266F}"/>
+                <a16:creationId xmlns:a16="http://schemas.microsoft.com/office/drawing/2014/main" id="{E9426C85-03A8-00E1-FB25-F014A9DB4574}"/>
               </a:ext>
             </a:extLst>
           </p:cNvPr>
@@ -1792,7 +1792,7 @@
           <p:cNvPr id="7" name="日期占位符 6">
             <a:extLst>
               <a:ext uri="{FF2B5EF4-FFF2-40B4-BE49-F238E27FC236}">
-                <a16:creationId xmlns:a16="http://schemas.microsoft.com/office/drawing/2014/main" id="{EE51C599-6E75-07F7-8E9A-001035371C25}"/>
+                <a16:creationId xmlns:a16="http://schemas.microsoft.com/office/drawing/2014/main" id="{0BC9253E-02D6-F342-8194-BFC18652B0FC}"/>
               </a:ext>
             </a:extLst>
           </p:cNvPr>
@@ -1808,7 +1808,7 @@
           <a:bodyPr/>
           <a:lstStyle/>
           <a:p>
-            <a:fld id="{CB85BAD7-EF7A-472C-B8F9-F80F5BCD903B}" type="datetimeFigureOut">
+            <a:fld id="{F9A592BA-7067-4353-A91C-3ECB969CC90E}" type="datetimeFigureOut">
               <a:rPr lang="zh-CN" altLang="en-US" smtClean="0"/>
               <a:t>2024/3/10</a:t>
             </a:fld>
@@ -1821,7 +1821,7 @@
           <p:cNvPr id="8" name="页脚占位符 7">
             <a:extLst>
               <a:ext uri="{FF2B5EF4-FFF2-40B4-BE49-F238E27FC236}">
-                <a16:creationId xmlns:a16="http://schemas.microsoft.com/office/drawing/2014/main" id="{A399A1B5-717B-D311-7DE1-2E30C8D58520}"/>
+                <a16:creationId xmlns:a16="http://schemas.microsoft.com/office/drawing/2014/main" id="{C047AC28-2042-994B-9390-12A31D2A35E4}"/>
               </a:ext>
             </a:extLst>
           </p:cNvPr>
@@ -1846,7 +1846,7 @@
           <p:cNvPr id="9" name="灯片编号占位符 8">
             <a:extLst>
               <a:ext uri="{FF2B5EF4-FFF2-40B4-BE49-F238E27FC236}">
-                <a16:creationId xmlns:a16="http://schemas.microsoft.com/office/drawing/2014/main" id="{1B4FB891-0CEA-B755-BDC3-D4BF28C1F49D}"/>
+                <a16:creationId xmlns:a16="http://schemas.microsoft.com/office/drawing/2014/main" id="{EB0A1054-8817-8C1A-B9FD-389634E660A7}"/>
               </a:ext>
             </a:extLst>
           </p:cNvPr>
@@ -1862,7 +1862,7 @@
           <a:bodyPr/>
           <a:lstStyle/>
           <a:p>
-            <a:fld id="{8E0A904F-BA0C-46D1-BB6C-A8BEE4CF87DD}" type="slidenum">
+            <a:fld id="{580CD15E-5D0F-4C8E-9FFB-522CCC7E1160}" type="slidenum">
               <a:rPr lang="zh-CN" altLang="en-US" smtClean="0"/>
               <a:t>‹#›</a:t>
             </a:fld>
@@ -1873,7 +1873,7 @@
     </p:spTree>
     <p:extLst>
       <p:ext uri="{BB962C8B-B14F-4D97-AF65-F5344CB8AC3E}">
-        <p14:creationId xmlns:p14="http://schemas.microsoft.com/office/powerpoint/2010/main" val="1552002387"/>
+        <p14:creationId xmlns:p14="http://schemas.microsoft.com/office/powerpoint/2010/main" val="3563722261"/>
       </p:ext>
     </p:extLst>
   </p:cSld>
@@ -1905,7 +1905,7 @@
           <p:cNvPr id="2" name="标题 1">
             <a:extLst>
               <a:ext uri="{FF2B5EF4-FFF2-40B4-BE49-F238E27FC236}">
-                <a16:creationId xmlns:a16="http://schemas.microsoft.com/office/drawing/2014/main" id="{6563A09E-124B-8BF4-5A03-7492BBB87876}"/>
+                <a16:creationId xmlns:a16="http://schemas.microsoft.com/office/drawing/2014/main" id="{B635E1A9-C55B-E919-7810-ACC3B831C097}"/>
               </a:ext>
             </a:extLst>
           </p:cNvPr>
@@ -1933,7 +1933,7 @@
           <p:cNvPr id="3" name="日期占位符 2">
             <a:extLst>
               <a:ext uri="{FF2B5EF4-FFF2-40B4-BE49-F238E27FC236}">
-                <a16:creationId xmlns:a16="http://schemas.microsoft.com/office/drawing/2014/main" id="{3B310DF6-D02B-501A-F6B6-3EE3B10DC222}"/>
+                <a16:creationId xmlns:a16="http://schemas.microsoft.com/office/drawing/2014/main" id="{CD9CA527-F59B-6B8F-2D30-C07352E005E8}"/>
               </a:ext>
             </a:extLst>
           </p:cNvPr>
@@ -1949,7 +1949,7 @@
           <a:bodyPr/>
           <a:lstStyle/>
           <a:p>
-            <a:fld id="{CB85BAD7-EF7A-472C-B8F9-F80F5BCD903B}" type="datetimeFigureOut">
+            <a:fld id="{F9A592BA-7067-4353-A91C-3ECB969CC90E}" type="datetimeFigureOut">
               <a:rPr lang="zh-CN" altLang="en-US" smtClean="0"/>
               <a:t>2024/3/10</a:t>
             </a:fld>
@@ -1962,7 +1962,7 @@
           <p:cNvPr id="4" name="页脚占位符 3">
             <a:extLst>
               <a:ext uri="{FF2B5EF4-FFF2-40B4-BE49-F238E27FC236}">
-                <a16:creationId xmlns:a16="http://schemas.microsoft.com/office/drawing/2014/main" id="{68115EA0-24F3-AC19-A7C4-D2A5C6A5A332}"/>
+                <a16:creationId xmlns:a16="http://schemas.microsoft.com/office/drawing/2014/main" id="{FFDEE233-841C-1A95-F03A-2885B2A6EED0}"/>
               </a:ext>
             </a:extLst>
           </p:cNvPr>
@@ -1987,7 +1987,7 @@
           <p:cNvPr id="5" name="灯片编号占位符 4">
             <a:extLst>
               <a:ext uri="{FF2B5EF4-FFF2-40B4-BE49-F238E27FC236}">
-                <a16:creationId xmlns:a16="http://schemas.microsoft.com/office/drawing/2014/main" id="{E896B3C2-9C44-894B-1F1E-4F0123C80300}"/>
+                <a16:creationId xmlns:a16="http://schemas.microsoft.com/office/drawing/2014/main" id="{646F94F7-5097-E50D-3885-8521ECD2BA39}"/>
               </a:ext>
             </a:extLst>
           </p:cNvPr>
@@ -2003,7 +2003,7 @@
           <a:bodyPr/>
           <a:lstStyle/>
           <a:p>
-            <a:fld id="{8E0A904F-BA0C-46D1-BB6C-A8BEE4CF87DD}" type="slidenum">
+            <a:fld id="{580CD15E-5D0F-4C8E-9FFB-522CCC7E1160}" type="slidenum">
               <a:rPr lang="zh-CN" altLang="en-US" smtClean="0"/>
               <a:t>‹#›</a:t>
             </a:fld>
@@ -2014,7 +2014,7 @@
     </p:spTree>
     <p:extLst>
       <p:ext uri="{BB962C8B-B14F-4D97-AF65-F5344CB8AC3E}">
-        <p14:creationId xmlns:p14="http://schemas.microsoft.com/office/powerpoint/2010/main" val="1165590779"/>
+        <p14:creationId xmlns:p14="http://schemas.microsoft.com/office/powerpoint/2010/main" val="2657595590"/>
       </p:ext>
     </p:extLst>
   </p:cSld>
@@ -2046,7 +2046,7 @@
           <p:cNvPr id="2" name="日期占位符 1">
             <a:extLst>
               <a:ext uri="{FF2B5EF4-FFF2-40B4-BE49-F238E27FC236}">
-                <a16:creationId xmlns:a16="http://schemas.microsoft.com/office/drawing/2014/main" id="{FBD7E007-A92F-74AD-D122-EB26DAB84514}"/>
+                <a16:creationId xmlns:a16="http://schemas.microsoft.com/office/drawing/2014/main" id="{3E819E3B-79F5-50F2-0AD2-456BCCBD47C3}"/>
               </a:ext>
             </a:extLst>
           </p:cNvPr>
@@ -2062,7 +2062,7 @@
           <a:bodyPr/>
           <a:lstStyle/>
           <a:p>
-            <a:fld id="{CB85BAD7-EF7A-472C-B8F9-F80F5BCD903B}" type="datetimeFigureOut">
+            <a:fld id="{F9A592BA-7067-4353-A91C-3ECB969CC90E}" type="datetimeFigureOut">
               <a:rPr lang="zh-CN" altLang="en-US" smtClean="0"/>
               <a:t>2024/3/10</a:t>
             </a:fld>
@@ -2075,7 +2075,7 @@
           <p:cNvPr id="3" name="页脚占位符 2">
             <a:extLst>
               <a:ext uri="{FF2B5EF4-FFF2-40B4-BE49-F238E27FC236}">
-                <a16:creationId xmlns:a16="http://schemas.microsoft.com/office/drawing/2014/main" id="{26B43155-9BDD-5A22-3D00-49A040DF1648}"/>
+                <a16:creationId xmlns:a16="http://schemas.microsoft.com/office/drawing/2014/main" id="{A394B710-63D4-CD1F-4B9C-333B56D594BD}"/>
               </a:ext>
             </a:extLst>
           </p:cNvPr>
@@ -2100,7 +2100,7 @@
           <p:cNvPr id="4" name="灯片编号占位符 3">
             <a:extLst>
               <a:ext uri="{FF2B5EF4-FFF2-40B4-BE49-F238E27FC236}">
-                <a16:creationId xmlns:a16="http://schemas.microsoft.com/office/drawing/2014/main" id="{EF6389C9-85A2-C495-1CFA-2C1CBEFAB62D}"/>
+                <a16:creationId xmlns:a16="http://schemas.microsoft.com/office/drawing/2014/main" id="{14A850FB-E783-4012-C002-542A69B81F8C}"/>
               </a:ext>
             </a:extLst>
           </p:cNvPr>
@@ -2116,7 +2116,7 @@
           <a:bodyPr/>
           <a:lstStyle/>
           <a:p>
-            <a:fld id="{8E0A904F-BA0C-46D1-BB6C-A8BEE4CF87DD}" type="slidenum">
+            <a:fld id="{580CD15E-5D0F-4C8E-9FFB-522CCC7E1160}" type="slidenum">
               <a:rPr lang="zh-CN" altLang="en-US" smtClean="0"/>
               <a:t>‹#›</a:t>
             </a:fld>
@@ -2127,7 +2127,7 @@
     </p:spTree>
     <p:extLst>
       <p:ext uri="{BB962C8B-B14F-4D97-AF65-F5344CB8AC3E}">
-        <p14:creationId xmlns:p14="http://schemas.microsoft.com/office/powerpoint/2010/main" val="211779837"/>
+        <p14:creationId xmlns:p14="http://schemas.microsoft.com/office/powerpoint/2010/main" val="4053938529"/>
       </p:ext>
     </p:extLst>
   </p:cSld>
@@ -2159,7 +2159,7 @@
           <p:cNvPr id="2" name="标题 1">
             <a:extLst>
               <a:ext uri="{FF2B5EF4-FFF2-40B4-BE49-F238E27FC236}">
-                <a16:creationId xmlns:a16="http://schemas.microsoft.com/office/drawing/2014/main" id="{B51E257E-0A5E-7ED3-4BC1-2642D34DA997}"/>
+                <a16:creationId xmlns:a16="http://schemas.microsoft.com/office/drawing/2014/main" id="{D99349D3-9DE8-AEC3-3286-2B6DAC1B7054}"/>
               </a:ext>
             </a:extLst>
           </p:cNvPr>
@@ -2196,7 +2196,7 @@
           <p:cNvPr id="3" name="内容占位符 2">
             <a:extLst>
               <a:ext uri="{FF2B5EF4-FFF2-40B4-BE49-F238E27FC236}">
-                <a16:creationId xmlns:a16="http://schemas.microsoft.com/office/drawing/2014/main" id="{8E90E4A0-62FF-512B-23DB-049530706A4D}"/>
+                <a16:creationId xmlns:a16="http://schemas.microsoft.com/office/drawing/2014/main" id="{59A8A5FC-4D27-E07F-0DD3-C073CE5F5699}"/>
               </a:ext>
             </a:extLst>
           </p:cNvPr>
@@ -2286,7 +2286,7 @@
           <p:cNvPr id="4" name="文本占位符 3">
             <a:extLst>
               <a:ext uri="{FF2B5EF4-FFF2-40B4-BE49-F238E27FC236}">
-                <a16:creationId xmlns:a16="http://schemas.microsoft.com/office/drawing/2014/main" id="{68591A53-AB07-410E-FDF0-7A65EC98EFFE}"/>
+                <a16:creationId xmlns:a16="http://schemas.microsoft.com/office/drawing/2014/main" id="{8F366450-D329-725B-5955-CB29752C1B0C}"/>
               </a:ext>
             </a:extLst>
           </p:cNvPr>
@@ -2357,7 +2357,7 @@
           <p:cNvPr id="5" name="日期占位符 4">
             <a:extLst>
               <a:ext uri="{FF2B5EF4-FFF2-40B4-BE49-F238E27FC236}">
-                <a16:creationId xmlns:a16="http://schemas.microsoft.com/office/drawing/2014/main" id="{AFE374F7-765E-EAB6-A1DE-AA61AA397414}"/>
+                <a16:creationId xmlns:a16="http://schemas.microsoft.com/office/drawing/2014/main" id="{B1FD05FA-F69F-1A8B-ACD4-F94F66EC276D}"/>
               </a:ext>
             </a:extLst>
           </p:cNvPr>
@@ -2373,7 +2373,7 @@
           <a:bodyPr/>
           <a:lstStyle/>
           <a:p>
-            <a:fld id="{CB85BAD7-EF7A-472C-B8F9-F80F5BCD903B}" type="datetimeFigureOut">
+            <a:fld id="{F9A592BA-7067-4353-A91C-3ECB969CC90E}" type="datetimeFigureOut">
               <a:rPr lang="zh-CN" altLang="en-US" smtClean="0"/>
               <a:t>2024/3/10</a:t>
             </a:fld>
@@ -2386,7 +2386,7 @@
           <p:cNvPr id="6" name="页脚占位符 5">
             <a:extLst>
               <a:ext uri="{FF2B5EF4-FFF2-40B4-BE49-F238E27FC236}">
-                <a16:creationId xmlns:a16="http://schemas.microsoft.com/office/drawing/2014/main" id="{FE08EB12-E788-3DE9-7829-00789B927F83}"/>
+                <a16:creationId xmlns:a16="http://schemas.microsoft.com/office/drawing/2014/main" id="{2633F537-FFCC-2AC2-4C5F-77C259C7087F}"/>
               </a:ext>
             </a:extLst>
           </p:cNvPr>
@@ -2411,7 +2411,7 @@
           <p:cNvPr id="7" name="灯片编号占位符 6">
             <a:extLst>
               <a:ext uri="{FF2B5EF4-FFF2-40B4-BE49-F238E27FC236}">
-                <a16:creationId xmlns:a16="http://schemas.microsoft.com/office/drawing/2014/main" id="{9C6DBB86-8250-4073-8D4F-3EBD2B2E03B2}"/>
+                <a16:creationId xmlns:a16="http://schemas.microsoft.com/office/drawing/2014/main" id="{6253460F-683D-5AE0-9F30-99926C376167}"/>
               </a:ext>
             </a:extLst>
           </p:cNvPr>
@@ -2427,7 +2427,7 @@
           <a:bodyPr/>
           <a:lstStyle/>
           <a:p>
-            <a:fld id="{8E0A904F-BA0C-46D1-BB6C-A8BEE4CF87DD}" type="slidenum">
+            <a:fld id="{580CD15E-5D0F-4C8E-9FFB-522CCC7E1160}" type="slidenum">
               <a:rPr lang="zh-CN" altLang="en-US" smtClean="0"/>
               <a:t>‹#›</a:t>
             </a:fld>
@@ -2438,7 +2438,7 @@
     </p:spTree>
     <p:extLst>
       <p:ext uri="{BB962C8B-B14F-4D97-AF65-F5344CB8AC3E}">
-        <p14:creationId xmlns:p14="http://schemas.microsoft.com/office/powerpoint/2010/main" val="347582297"/>
+        <p14:creationId xmlns:p14="http://schemas.microsoft.com/office/powerpoint/2010/main" val="2392643968"/>
       </p:ext>
     </p:extLst>
   </p:cSld>
@@ -2470,7 +2470,7 @@
           <p:cNvPr id="2" name="标题 1">
             <a:extLst>
               <a:ext uri="{FF2B5EF4-FFF2-40B4-BE49-F238E27FC236}">
-                <a16:creationId xmlns:a16="http://schemas.microsoft.com/office/drawing/2014/main" id="{C09E7732-8FB7-C04F-47D8-946D927F6A45}"/>
+                <a16:creationId xmlns:a16="http://schemas.microsoft.com/office/drawing/2014/main" id="{BAA05612-AD16-40B4-94BD-CF098DBD5910}"/>
               </a:ext>
             </a:extLst>
           </p:cNvPr>
@@ -2507,7 +2507,7 @@
           <p:cNvPr id="3" name="图片占位符 2">
             <a:extLst>
               <a:ext uri="{FF2B5EF4-FFF2-40B4-BE49-F238E27FC236}">
-                <a16:creationId xmlns:a16="http://schemas.microsoft.com/office/drawing/2014/main" id="{5EA9BA74-8821-71FB-3BA5-5ABD2EC8F980}"/>
+                <a16:creationId xmlns:a16="http://schemas.microsoft.com/office/drawing/2014/main" id="{01765306-7906-5415-35D8-1BEF427C05E0}"/>
               </a:ext>
             </a:extLst>
           </p:cNvPr>
@@ -2574,7 +2574,7 @@
           <p:cNvPr id="4" name="文本占位符 3">
             <a:extLst>
               <a:ext uri="{FF2B5EF4-FFF2-40B4-BE49-F238E27FC236}">
-                <a16:creationId xmlns:a16="http://schemas.microsoft.com/office/drawing/2014/main" id="{EA38BB81-8D6F-1504-6625-8C1878396FC1}"/>
+                <a16:creationId xmlns:a16="http://schemas.microsoft.com/office/drawing/2014/main" id="{12823131-4F98-521D-07E6-212ED4E6EC6F}"/>
               </a:ext>
             </a:extLst>
           </p:cNvPr>
@@ -2645,7 +2645,7 @@
           <p:cNvPr id="5" name="日期占位符 4">
             <a:extLst>
               <a:ext uri="{FF2B5EF4-FFF2-40B4-BE49-F238E27FC236}">
-                <a16:creationId xmlns:a16="http://schemas.microsoft.com/office/drawing/2014/main" id="{43CC0C0F-E86A-C21D-6DE3-430BA83AA1FD}"/>
+                <a16:creationId xmlns:a16="http://schemas.microsoft.com/office/drawing/2014/main" id="{33494017-56BB-5D1E-4B45-1AE7CC022F63}"/>
               </a:ext>
             </a:extLst>
           </p:cNvPr>
@@ -2661,7 +2661,7 @@
           <a:bodyPr/>
           <a:lstStyle/>
           <a:p>
-            <a:fld id="{CB85BAD7-EF7A-472C-B8F9-F80F5BCD903B}" type="datetimeFigureOut">
+            <a:fld id="{F9A592BA-7067-4353-A91C-3ECB969CC90E}" type="datetimeFigureOut">
               <a:rPr lang="zh-CN" altLang="en-US" smtClean="0"/>
               <a:t>2024/3/10</a:t>
             </a:fld>
@@ -2674,7 +2674,7 @@
           <p:cNvPr id="6" name="页脚占位符 5">
             <a:extLst>
               <a:ext uri="{FF2B5EF4-FFF2-40B4-BE49-F238E27FC236}">
-                <a16:creationId xmlns:a16="http://schemas.microsoft.com/office/drawing/2014/main" id="{77FC7C37-8EAB-7CF7-8150-387C42BB03E6}"/>
+                <a16:creationId xmlns:a16="http://schemas.microsoft.com/office/drawing/2014/main" id="{380B462C-325E-6EC9-2D2D-5DED69E99AE8}"/>
               </a:ext>
             </a:extLst>
           </p:cNvPr>
@@ -2699,7 +2699,7 @@
           <p:cNvPr id="7" name="灯片编号占位符 6">
             <a:extLst>
               <a:ext uri="{FF2B5EF4-FFF2-40B4-BE49-F238E27FC236}">
-                <a16:creationId xmlns:a16="http://schemas.microsoft.com/office/drawing/2014/main" id="{FAFAE7FA-42D0-F2F3-E077-D17265E48A3D}"/>
+                <a16:creationId xmlns:a16="http://schemas.microsoft.com/office/drawing/2014/main" id="{28F1E808-8BDA-82BE-A822-2765244DFC3F}"/>
               </a:ext>
             </a:extLst>
           </p:cNvPr>
@@ -2715,7 +2715,7 @@
           <a:bodyPr/>
           <a:lstStyle/>
           <a:p>
-            <a:fld id="{8E0A904F-BA0C-46D1-BB6C-A8BEE4CF87DD}" type="slidenum">
+            <a:fld id="{580CD15E-5D0F-4C8E-9FFB-522CCC7E1160}" type="slidenum">
               <a:rPr lang="zh-CN" altLang="en-US" smtClean="0"/>
               <a:t>‹#›</a:t>
             </a:fld>
@@ -2726,7 +2726,7 @@
     </p:spTree>
     <p:extLst>
       <p:ext uri="{BB962C8B-B14F-4D97-AF65-F5344CB8AC3E}">
-        <p14:creationId xmlns:p14="http://schemas.microsoft.com/office/powerpoint/2010/main" val="2019998743"/>
+        <p14:creationId xmlns:p14="http://schemas.microsoft.com/office/powerpoint/2010/main" val="822130313"/>
       </p:ext>
     </p:extLst>
   </p:cSld>
@@ -2763,7 +2763,7 @@
           <p:cNvPr id="2" name="标题占位符 1">
             <a:extLst>
               <a:ext uri="{FF2B5EF4-FFF2-40B4-BE49-F238E27FC236}">
-                <a16:creationId xmlns:a16="http://schemas.microsoft.com/office/drawing/2014/main" id="{ED8C8718-2CD1-86F9-7F0E-E4389E3853CB}"/>
+                <a16:creationId xmlns:a16="http://schemas.microsoft.com/office/drawing/2014/main" id="{97E574E3-1D6C-68D0-E512-8081EEBC03D6}"/>
               </a:ext>
             </a:extLst>
           </p:cNvPr>
@@ -2801,7 +2801,7 @@
           <p:cNvPr id="3" name="文本占位符 2">
             <a:extLst>
               <a:ext uri="{FF2B5EF4-FFF2-40B4-BE49-F238E27FC236}">
-                <a16:creationId xmlns:a16="http://schemas.microsoft.com/office/drawing/2014/main" id="{CCD215FC-E213-E3D6-63A7-0CC2A7F0F6BE}"/>
+                <a16:creationId xmlns:a16="http://schemas.microsoft.com/office/drawing/2014/main" id="{F0277CC6-2B7E-C493-1AAD-F02C42A6CAE6}"/>
               </a:ext>
             </a:extLst>
           </p:cNvPr>
@@ -2868,7 +2868,7 @@
           <p:cNvPr id="4" name="日期占位符 3">
             <a:extLst>
               <a:ext uri="{FF2B5EF4-FFF2-40B4-BE49-F238E27FC236}">
-                <a16:creationId xmlns:a16="http://schemas.microsoft.com/office/drawing/2014/main" id="{E5A6A988-D0B8-5E40-0648-46DA066E13BC}"/>
+                <a16:creationId xmlns:a16="http://schemas.microsoft.com/office/drawing/2014/main" id="{9AB00A5C-B625-55D8-499B-DA73EFF7154C}"/>
               </a:ext>
             </a:extLst>
           </p:cNvPr>
@@ -2902,7 +2902,7 @@
             </a:lvl1pPr>
           </a:lstStyle>
           <a:p>
-            <a:fld id="{CB85BAD7-EF7A-472C-B8F9-F80F5BCD903B}" type="datetimeFigureOut">
+            <a:fld id="{F9A592BA-7067-4353-A91C-3ECB969CC90E}" type="datetimeFigureOut">
               <a:rPr lang="zh-CN" altLang="en-US" smtClean="0"/>
               <a:t>2024/3/10</a:t>
             </a:fld>
@@ -2915,7 +2915,7 @@
           <p:cNvPr id="5" name="页脚占位符 4">
             <a:extLst>
               <a:ext uri="{FF2B5EF4-FFF2-40B4-BE49-F238E27FC236}">
-                <a16:creationId xmlns:a16="http://schemas.microsoft.com/office/drawing/2014/main" id="{C627840E-E007-A3E8-E0EA-8E0555AA235D}"/>
+                <a16:creationId xmlns:a16="http://schemas.microsoft.com/office/drawing/2014/main" id="{915AE448-16EA-61AB-0F85-24B537A32BAC}"/>
               </a:ext>
             </a:extLst>
           </p:cNvPr>
@@ -2958,7 +2958,7 @@
           <p:cNvPr id="6" name="灯片编号占位符 5">
             <a:extLst>
               <a:ext uri="{FF2B5EF4-FFF2-40B4-BE49-F238E27FC236}">
-                <a16:creationId xmlns:a16="http://schemas.microsoft.com/office/drawing/2014/main" id="{B3E5E30E-861F-7582-0D9D-EB2CC2E10541}"/>
+                <a16:creationId xmlns:a16="http://schemas.microsoft.com/office/drawing/2014/main" id="{15B7C2B6-1C7C-C1C8-270C-D71F105DE2E7}"/>
               </a:ext>
             </a:extLst>
           </p:cNvPr>
@@ -2992,7 +2992,7 @@
             </a:lvl1pPr>
           </a:lstStyle>
           <a:p>
-            <a:fld id="{8E0A904F-BA0C-46D1-BB6C-A8BEE4CF87DD}" type="slidenum">
+            <a:fld id="{580CD15E-5D0F-4C8E-9FFB-522CCC7E1160}" type="slidenum">
               <a:rPr lang="zh-CN" altLang="en-US" smtClean="0"/>
               <a:t>‹#›</a:t>
             </a:fld>
@@ -3003,7 +3003,7 @@
     </p:spTree>
     <p:extLst>
       <p:ext uri="{BB962C8B-B14F-4D97-AF65-F5344CB8AC3E}">
-        <p14:creationId xmlns:p14="http://schemas.microsoft.com/office/powerpoint/2010/main" val="1941582709"/>
+        <p14:creationId xmlns:p14="http://schemas.microsoft.com/office/powerpoint/2010/main" val="1099635275"/>
       </p:ext>
     </p:extLst>
   </p:cSld>
@@ -3323,7 +3323,7 @@
       </p:grpSpPr>
       <p:pic>
         <p:nvPicPr>
-          <p:cNvPr id="192514" name="Picture 2" descr="187"/>
+          <p:cNvPr id="193538" name="Picture 2" descr="188"/>
           <p:cNvPicPr>
             <a:picLocks noChangeAspect="1" noChangeArrowheads="1"/>
           </p:cNvPicPr>
@@ -3375,275 +3375,11 @@
           </a:extLst>
         </p:spPr>
       </p:pic>
-      <p:pic>
-        <p:nvPicPr>
-          <p:cNvPr id="193539" name="Picture 3" descr="187-2"/>
-          <p:cNvPicPr>
-            <a:picLocks noChangeAspect="1" noChangeArrowheads="1"/>
-          </p:cNvPicPr>
-          <p:nvPr/>
-        </p:nvPicPr>
-        <p:blipFill>
-          <a:blip r:embed="rId3">
-            <a:extLst>
-              <a:ext uri="{28A0092B-C50C-407E-A947-70E740481C1C}">
-                <a14:useLocalDpi xmlns:a14="http://schemas.microsoft.com/office/drawing/2010/main" val="0"/>
-              </a:ext>
-            </a:extLst>
-          </a:blip>
-          <a:srcRect/>
-          <a:stretch>
-            <a:fillRect/>
-          </a:stretch>
-        </p:blipFill>
-        <p:spPr bwMode="auto">
-          <a:xfrm>
-            <a:off x="1524000" y="0"/>
-            <a:ext cx="9144000" cy="6858000"/>
-          </a:xfrm>
-          <a:prstGeom prst="rect">
-            <a:avLst/>
-          </a:prstGeom>
-          <a:noFill/>
-          <a:ln>
-            <a:noFill/>
-          </a:ln>
-          <a:effectLst/>
-          <a:extLst>
-            <a:ext uri="{909E8E84-426E-40DD-AFC4-6F175D3DCCD1}">
-              <a14:hiddenFill xmlns:a14="http://schemas.microsoft.com/office/drawing/2010/main">
-                <a:solidFill>
-                  <a:srgbClr val="FFFFFF"/>
-                </a:solidFill>
-              </a14:hiddenFill>
-            </a:ext>
-            <a:ext uri="{91240B29-F687-4F45-9708-019B960494DF}">
-              <a14:hiddenLine xmlns:a14="http://schemas.microsoft.com/office/drawing/2010/main" w="9525">
-                <a:solidFill>
-                  <a:srgbClr val="000000"/>
-                </a:solidFill>
-                <a:miter lim="800000"/>
-                <a:headEnd/>
-                <a:tailEnd/>
-              </a14:hiddenLine>
-            </a:ext>
-            <a:ext uri="{AF507438-7753-43E0-B8FC-AC1667EBCBE1}">
-              <a14:hiddenEffects xmlns:a14="http://schemas.microsoft.com/office/drawing/2010/main">
-                <a:effectLst>
-                  <a:outerShdw dist="35921" dir="2700000" algn="ctr" rotWithShape="0">
-                    <a:srgbClr val="808080"/>
-                  </a:outerShdw>
-                </a:effectLst>
-              </a14:hiddenEffects>
-            </a:ext>
-          </a:extLst>
-        </p:spPr>
-      </p:pic>
-      <p:pic>
-        <p:nvPicPr>
-          <p:cNvPr id="193540" name="Picture 4" descr="187-3"/>
-          <p:cNvPicPr>
-            <a:picLocks noChangeAspect="1" noChangeArrowheads="1"/>
-          </p:cNvPicPr>
-          <p:nvPr/>
-        </p:nvPicPr>
-        <p:blipFill>
-          <a:blip r:embed="rId4">
-            <a:extLst>
-              <a:ext uri="{28A0092B-C50C-407E-A947-70E740481C1C}">
-                <a14:useLocalDpi xmlns:a14="http://schemas.microsoft.com/office/drawing/2010/main" val="0"/>
-              </a:ext>
-            </a:extLst>
-          </a:blip>
-          <a:srcRect/>
-          <a:stretch>
-            <a:fillRect/>
-          </a:stretch>
-        </p:blipFill>
-        <p:spPr bwMode="auto">
-          <a:xfrm>
-            <a:off x="1524000" y="0"/>
-            <a:ext cx="9144000" cy="6858000"/>
-          </a:xfrm>
-          <a:prstGeom prst="rect">
-            <a:avLst/>
-          </a:prstGeom>
-          <a:noFill/>
-          <a:ln>
-            <a:noFill/>
-          </a:ln>
-          <a:effectLst/>
-          <a:extLst>
-            <a:ext uri="{909E8E84-426E-40DD-AFC4-6F175D3DCCD1}">
-              <a14:hiddenFill xmlns:a14="http://schemas.microsoft.com/office/drawing/2010/main">
-                <a:solidFill>
-                  <a:srgbClr val="FFFFFF"/>
-                </a:solidFill>
-              </a14:hiddenFill>
-            </a:ext>
-            <a:ext uri="{91240B29-F687-4F45-9708-019B960494DF}">
-              <a14:hiddenLine xmlns:a14="http://schemas.microsoft.com/office/drawing/2010/main" w="9525">
-                <a:solidFill>
-                  <a:srgbClr val="000000"/>
-                </a:solidFill>
-                <a:miter lim="800000"/>
-                <a:headEnd/>
-                <a:tailEnd/>
-              </a14:hiddenLine>
-            </a:ext>
-            <a:ext uri="{AF507438-7753-43E0-B8FC-AC1667EBCBE1}">
-              <a14:hiddenEffects xmlns:a14="http://schemas.microsoft.com/office/drawing/2010/main">
-                <a:effectLst>
-                  <a:outerShdw dist="35921" dir="2700000" algn="ctr" rotWithShape="0">
-                    <a:srgbClr val="808080"/>
-                  </a:outerShdw>
-                </a:effectLst>
-              </a14:hiddenEffects>
-            </a:ext>
-          </a:extLst>
-        </p:spPr>
-      </p:pic>
     </p:spTree>
   </p:cSld>
   <p:clrMapOvr>
     <a:masterClrMapping/>
   </p:clrMapOvr>
-  <p:timing>
-    <p:tnLst>
-      <p:par>
-        <p:cTn id="1" dur="indefinite" restart="never" nodeType="tmRoot">
-          <p:childTnLst>
-            <p:seq concurrent="1" nextAc="seek">
-              <p:cTn id="2" dur="indefinite" nodeType="mainSeq">
-                <p:childTnLst>
-                  <p:par>
-                    <p:cTn id="3" fill="hold" nodeType="clickPar">
-                      <p:stCondLst>
-                        <p:cond delay="indefinite"/>
-                      </p:stCondLst>
-                      <p:childTnLst>
-                        <p:par>
-                          <p:cTn id="4" fill="hold" nodeType="withGroup">
-                            <p:stCondLst>
-                              <p:cond delay="0"/>
-                            </p:stCondLst>
-                            <p:childTnLst>
-                              <p:par>
-                                <p:cTn id="5" presetID="10" presetClass="entr" presetSubtype="0" fill="hold" nodeType="clickEffect">
-                                  <p:stCondLst>
-                                    <p:cond delay="0"/>
-                                  </p:stCondLst>
-                                  <p:childTnLst>
-                                    <p:set>
-                                      <p:cBhvr>
-                                        <p:cTn id="6" dur="1" fill="hold">
-                                          <p:stCondLst>
-                                            <p:cond delay="0"/>
-                                          </p:stCondLst>
-                                        </p:cTn>
-                                        <p:tgtEl>
-                                          <p:spTgt spid="193539"/>
-                                        </p:tgtEl>
-                                        <p:attrNameLst>
-                                          <p:attrName>style.visibility</p:attrName>
-                                        </p:attrNameLst>
-                                      </p:cBhvr>
-                                      <p:to>
-                                        <p:strVal val="visible"/>
-                                      </p:to>
-                                    </p:set>
-                                    <p:animEffect transition="in" filter="fade">
-                                      <p:cBhvr>
-                                        <p:cTn id="7" dur="500"/>
-                                        <p:tgtEl>
-                                          <p:spTgt spid="193539"/>
-                                        </p:tgtEl>
-                                      </p:cBhvr>
-                                    </p:animEffect>
-                                  </p:childTnLst>
-                                </p:cTn>
-                              </p:par>
-                            </p:childTnLst>
-                          </p:cTn>
-                        </p:par>
-                      </p:childTnLst>
-                    </p:cTn>
-                  </p:par>
-                  <p:par>
-                    <p:cTn id="8" fill="hold" nodeType="clickPar">
-                      <p:stCondLst>
-                        <p:cond delay="indefinite"/>
-                      </p:stCondLst>
-                      <p:childTnLst>
-                        <p:par>
-                          <p:cTn id="9" fill="hold" nodeType="withGroup">
-                            <p:stCondLst>
-                              <p:cond delay="0"/>
-                            </p:stCondLst>
-                            <p:childTnLst>
-                              <p:par>
-                                <p:cTn id="10" presetID="10" presetClass="entr" presetSubtype="0" fill="hold" nodeType="clickEffect">
-                                  <p:stCondLst>
-                                    <p:cond delay="0"/>
-                                  </p:stCondLst>
-                                  <p:childTnLst>
-                                    <p:set>
-                                      <p:cBhvr>
-                                        <p:cTn id="11" dur="1" fill="hold">
-                                          <p:stCondLst>
-                                            <p:cond delay="0"/>
-                                          </p:stCondLst>
-                                        </p:cTn>
-                                        <p:tgtEl>
-                                          <p:spTgt spid="193540"/>
-                                        </p:tgtEl>
-                                        <p:attrNameLst>
-                                          <p:attrName>style.visibility</p:attrName>
-                                        </p:attrNameLst>
-                                      </p:cBhvr>
-                                      <p:to>
-                                        <p:strVal val="visible"/>
-                                      </p:to>
-                                    </p:set>
-                                    <p:animEffect transition="in" filter="fade">
-                                      <p:cBhvr>
-                                        <p:cTn id="12" dur="500"/>
-                                        <p:tgtEl>
-                                          <p:spTgt spid="193540"/>
-                                        </p:tgtEl>
-                                      </p:cBhvr>
-                                    </p:animEffect>
-                                  </p:childTnLst>
-                                </p:cTn>
-                              </p:par>
-                            </p:childTnLst>
-                          </p:cTn>
-                        </p:par>
-                      </p:childTnLst>
-                    </p:cTn>
-                  </p:par>
-                </p:childTnLst>
-              </p:cTn>
-              <p:prevCondLst>
-                <p:cond evt="onPrev" delay="0">
-                  <p:tgtEl>
-                    <p:sldTgt/>
-                  </p:tgtEl>
-                </p:cond>
-              </p:prevCondLst>
-              <p:nextCondLst>
-                <p:cond evt="onNext" delay="0">
-                  <p:tgtEl>
-                    <p:sldTgt/>
-                  </p:tgtEl>
-                </p:cond>
-              </p:nextCondLst>
-            </p:seq>
-          </p:childTnLst>
-        </p:cTn>
-      </p:par>
-    </p:tnLst>
-  </p:timing>
 </p:sld>
 </file>
 
